--- a/Doc/SummitKeynote-Final.pptx
+++ b/Doc/SummitKeynote-Final.pptx
@@ -256,7 +256,7 @@
       <p15:sldGuideLst xmlns:p15="http://schemas.microsoft.com/office/powerpoint/2012/main"/>
     </p:ext>
     <p:ext uri="GoogleSlidesCustomDataVersion2">
-      <go:slidesCustomData xmlns="" xmlns:mc="http://schemas.openxmlformats.org/markup-compatibility/2006" xmlns:mv="urn:schemas-microsoft-com:mac:vml" xmlns:c="http://schemas.openxmlformats.org/drawingml/2006/chart" xmlns:dgm="http://schemas.openxmlformats.org/drawingml/2006/diagram" xmlns:o="urn:schemas-microsoft-com:office:office" xmlns:v="urn:schemas-microsoft-com:vml" xmlns:pvml="urn:schemas-microsoft-com:office:powerpoint" xmlns:com="http://schemas.openxmlformats.org/drawingml/2006/compatibility" xmlns:p14="http://schemas.microsoft.com/office/powerpoint/2010/main" xmlns:p15="http://schemas.microsoft.com/office/powerpoint/2012/main" xmlns:ahyp="http://schemas.microsoft.com/office/drawing/2018/hyperlinkcolor" xmlns:go="http://customooxmlschemas.google.com/" r:id="rId17" roundtripDataSignature="AMtx7mjr6PLBXlQmuAYhHlEqEj54pF85GQ=="/>
+      <go:slidesCustomData xmlns:go="http://customooxmlschemas.google.com/" xmlns:ahyp="http://schemas.microsoft.com/office/drawing/2018/hyperlinkcolor" xmlns:p15="http://schemas.microsoft.com/office/powerpoint/2012/main" xmlns:p14="http://schemas.microsoft.com/office/powerpoint/2010/main" xmlns:com="http://schemas.openxmlformats.org/drawingml/2006/compatibility" xmlns:pvml="urn:schemas-microsoft-com:office:powerpoint" xmlns:v="urn:schemas-microsoft-com:vml" xmlns:o="urn:schemas-microsoft-com:office:office" xmlns:dgm="http://schemas.openxmlformats.org/drawingml/2006/diagram" xmlns:c="http://schemas.openxmlformats.org/drawingml/2006/chart" xmlns:mv="urn:schemas-microsoft-com:mac:vml" xmlns:mc="http://schemas.openxmlformats.org/markup-compatibility/2006" xmlns="" r:id="rId17" roundtripDataSignature="AMtx7mjr6PLBXlQmuAYhHlEqEj54pF85GQ=="/>
     </p:ext>
   </p:extLst>
 </p:presentation>
@@ -6935,7 +6935,7 @@
           <a:p>
             <a:fld id="{923FB715-BA98-2345-AB83-3C75613CD68B}" type="datetime1">
               <a:rPr lang="en-US" smtClean="0"/>
-              <a:t>6/28/23</a:t>
+              <a:t>6/30/23</a:t>
             </a:fld>
             <a:endParaRPr lang="en-US"/>
           </a:p>
@@ -9161,8 +9161,17 @@
           </a:p>
           <a:p>
             <a:r>
-              <a:rPr lang="en-US" sz="2400" dirty="0" err="1"/>
+              <a:rPr lang="en-US" sz="2400" dirty="0">
+                <a:hlinkClick r:id="rId3"/>
+              </a:rPr>
               <a:t>jmanferdelli@vmware.com</a:t>
+            </a:r>
+            <a:endParaRPr lang="en-US" sz="2400" dirty="0"/>
+          </a:p>
+          <a:p>
+            <a:r>
+              <a:rPr lang="en-US" sz="2400"/>
+              <a:t>June 29, 2023</a:t>
             </a:r>
             <a:endParaRPr lang="en-US" sz="2400" dirty="0"/>
           </a:p>
@@ -9186,7 +9195,7 @@
           <p:nvPr/>
         </p:nvPicPr>
         <p:blipFill rotWithShape="1">
-          <a:blip r:embed="rId3"/>
+          <a:blip r:embed="rId4"/>
           <a:srcRect t="34796" b="35339"/>
           <a:stretch/>
         </p:blipFill>
@@ -20955,12 +20964,9 @@
 </file>
 
 <file path=customXml/item1.xml><?xml version="1.0" encoding="utf-8"?>
-<?mso-contentType ?>
-<FormTemplates xmlns="http://schemas.microsoft.com/sharepoint/v3/contenttype/forms">
-  <Display>DocumentLibraryForm</Display>
-  <Edit>DocumentLibraryForm</Edit>
-  <New>DocumentLibraryForm</New>
-</FormTemplates>
+<p:properties xmlns:p="http://schemas.microsoft.com/office/2006/metadata/properties" xmlns:xsi="http://www.w3.org/2001/XMLSchema-instance" xmlns:pc="http://schemas.microsoft.com/office/infopath/2007/PartnerControls">
+  <documentManagement/>
+</p:properties>
 </file>
 
 <file path=customXml/item2.xml><?xml version="1.0" encoding="utf-8"?>
@@ -21181,15 +21187,27 @@
 </file>
 
 <file path=customXml/item3.xml><?xml version="1.0" encoding="utf-8"?>
-<p:properties xmlns:p="http://schemas.microsoft.com/office/2006/metadata/properties" xmlns:xsi="http://www.w3.org/2001/XMLSchema-instance" xmlns:pc="http://schemas.microsoft.com/office/infopath/2007/PartnerControls">
-  <documentManagement/>
-</p:properties>
+<?mso-contentType ?>
+<FormTemplates xmlns="http://schemas.microsoft.com/sharepoint/v3/contenttype/forms">
+  <Display>DocumentLibraryForm</Display>
+  <Edit>DocumentLibraryForm</Edit>
+  <New>DocumentLibraryForm</New>
+</FormTemplates>
 </file>
 
 <file path=customXml/itemProps1.xml><?xml version="1.0" encoding="utf-8"?>
-<ds:datastoreItem xmlns:ds="http://schemas.openxmlformats.org/officeDocument/2006/customXml" ds:itemID="{1264E9BF-81F6-4417-9AFD-A5CB4EDABBF6}">
+<ds:datastoreItem xmlns:ds="http://schemas.openxmlformats.org/officeDocument/2006/customXml" ds:itemID="{16A11658-CF1F-4BE9-9699-0539476E2134}">
   <ds:schemaRefs>
-    <ds:schemaRef ds:uri="http://schemas.microsoft.com/sharepoint/v3/contenttype/forms"/>
+    <ds:schemaRef ds:uri="28481bb3-5299-45df-98e4-9eda10c473f6"/>
+    <ds:schemaRef ds:uri="d31f2ad2-e472-44ee-9b91-cb098f6c1beb"/>
+    <ds:schemaRef ds:uri="http://purl.org/dc/dcmitype/"/>
+    <ds:schemaRef ds:uri="http://purl.org/dc/elements/1.1/"/>
+    <ds:schemaRef ds:uri="http://purl.org/dc/terms/"/>
+    <ds:schemaRef ds:uri="http://schemas.microsoft.com/office/2006/documentManagement/types"/>
+    <ds:schemaRef ds:uri="http://schemas.microsoft.com/office/2006/metadata/properties"/>
+    <ds:schemaRef ds:uri="http://schemas.microsoft.com/office/infopath/2007/PartnerControls"/>
+    <ds:schemaRef ds:uri="http://schemas.openxmlformats.org/package/2006/metadata/core-properties"/>
+    <ds:schemaRef ds:uri="http://www.w3.org/XML/1998/namespace"/>
   </ds:schemaRefs>
 </ds:datastoreItem>
 </file>
@@ -21214,18 +21232,9 @@
 </file>
 
 <file path=customXml/itemProps3.xml><?xml version="1.0" encoding="utf-8"?>
-<ds:datastoreItem xmlns:ds="http://schemas.openxmlformats.org/officeDocument/2006/customXml" ds:itemID="{16A11658-CF1F-4BE9-9699-0539476E2134}">
+<ds:datastoreItem xmlns:ds="http://schemas.openxmlformats.org/officeDocument/2006/customXml" ds:itemID="{1264E9BF-81F6-4417-9AFD-A5CB4EDABBF6}">
   <ds:schemaRefs>
-    <ds:schemaRef ds:uri="28481bb3-5299-45df-98e4-9eda10c473f6"/>
-    <ds:schemaRef ds:uri="d31f2ad2-e472-44ee-9b91-cb098f6c1beb"/>
-    <ds:schemaRef ds:uri="http://purl.org/dc/dcmitype/"/>
-    <ds:schemaRef ds:uri="http://purl.org/dc/elements/1.1/"/>
-    <ds:schemaRef ds:uri="http://purl.org/dc/terms/"/>
-    <ds:schemaRef ds:uri="http://schemas.microsoft.com/office/2006/documentManagement/types"/>
-    <ds:schemaRef ds:uri="http://schemas.microsoft.com/office/2006/metadata/properties"/>
-    <ds:schemaRef ds:uri="http://schemas.microsoft.com/office/infopath/2007/PartnerControls"/>
-    <ds:schemaRef ds:uri="http://schemas.openxmlformats.org/package/2006/metadata/core-properties"/>
-    <ds:schemaRef ds:uri="http://www.w3.org/XML/1998/namespace"/>
+    <ds:schemaRef ds:uri="http://schemas.microsoft.com/sharepoint/v3/contenttype/forms"/>
   </ds:schemaRefs>
 </ds:datastoreItem>
 </file>